--- a/temp.pptx
+++ b/temp.pptx
@@ -104,6 +104,11 @@
       </a:defRPr>
     </a:lvl9pPr>
   </p:defaultTextStyle>
+  <p:extLst>
+    <p:ext uri="{EFAFB233-063F-42B5-8137-9DF3F51BA10A}">
+      <p15:sldGuideLst xmlns:p15="http://schemas.microsoft.com/office/powerpoint/2012/main"/>
+    </p:ext>
+  </p:extLst>
 </p:presentation>
 </file>
 
@@ -256,7 +261,7 @@
           <a:p>
             <a:fld id="{02A2D8EE-D0BE-CE41-9D65-A90E4CFFDC95}" type="datetimeFigureOut">
               <a:rPr lang="en-GB" smtClean="0"/>
-              <a:t>17/10/2021</a:t>
+              <a:t>18/10/2021</a:t>
             </a:fld>
             <a:endParaRPr lang="en-GB"/>
           </a:p>
@@ -456,7 +461,7 @@
           <a:p>
             <a:fld id="{02A2D8EE-D0BE-CE41-9D65-A90E4CFFDC95}" type="datetimeFigureOut">
               <a:rPr lang="en-GB" smtClean="0"/>
-              <a:t>17/10/2021</a:t>
+              <a:t>18/10/2021</a:t>
             </a:fld>
             <a:endParaRPr lang="en-GB"/>
           </a:p>
@@ -666,7 +671,7 @@
           <a:p>
             <a:fld id="{02A2D8EE-D0BE-CE41-9D65-A90E4CFFDC95}" type="datetimeFigureOut">
               <a:rPr lang="en-GB" smtClean="0"/>
-              <a:t>17/10/2021</a:t>
+              <a:t>18/10/2021</a:t>
             </a:fld>
             <a:endParaRPr lang="en-GB"/>
           </a:p>
@@ -866,7 +871,7 @@
           <a:p>
             <a:fld id="{02A2D8EE-D0BE-CE41-9D65-A90E4CFFDC95}" type="datetimeFigureOut">
               <a:rPr lang="en-GB" smtClean="0"/>
-              <a:t>17/10/2021</a:t>
+              <a:t>18/10/2021</a:t>
             </a:fld>
             <a:endParaRPr lang="en-GB"/>
           </a:p>
@@ -1142,7 +1147,7 @@
           <a:p>
             <a:fld id="{02A2D8EE-D0BE-CE41-9D65-A90E4CFFDC95}" type="datetimeFigureOut">
               <a:rPr lang="en-GB" smtClean="0"/>
-              <a:t>17/10/2021</a:t>
+              <a:t>18/10/2021</a:t>
             </a:fld>
             <a:endParaRPr lang="en-GB"/>
           </a:p>
@@ -1410,7 +1415,7 @@
           <a:p>
             <a:fld id="{02A2D8EE-D0BE-CE41-9D65-A90E4CFFDC95}" type="datetimeFigureOut">
               <a:rPr lang="en-GB" smtClean="0"/>
-              <a:t>17/10/2021</a:t>
+              <a:t>18/10/2021</a:t>
             </a:fld>
             <a:endParaRPr lang="en-GB"/>
           </a:p>
@@ -1825,7 +1830,7 @@
           <a:p>
             <a:fld id="{02A2D8EE-D0BE-CE41-9D65-A90E4CFFDC95}" type="datetimeFigureOut">
               <a:rPr lang="en-GB" smtClean="0"/>
-              <a:t>17/10/2021</a:t>
+              <a:t>18/10/2021</a:t>
             </a:fld>
             <a:endParaRPr lang="en-GB"/>
           </a:p>
@@ -1967,7 +1972,7 @@
           <a:p>
             <a:fld id="{02A2D8EE-D0BE-CE41-9D65-A90E4CFFDC95}" type="datetimeFigureOut">
               <a:rPr lang="en-GB" smtClean="0"/>
-              <a:t>17/10/2021</a:t>
+              <a:t>18/10/2021</a:t>
             </a:fld>
             <a:endParaRPr lang="en-GB"/>
           </a:p>
@@ -2080,7 +2085,7 @@
           <a:p>
             <a:fld id="{02A2D8EE-D0BE-CE41-9D65-A90E4CFFDC95}" type="datetimeFigureOut">
               <a:rPr lang="en-GB" smtClean="0"/>
-              <a:t>17/10/2021</a:t>
+              <a:t>18/10/2021</a:t>
             </a:fld>
             <a:endParaRPr lang="en-GB"/>
           </a:p>
@@ -2393,7 +2398,7 @@
           <a:p>
             <a:fld id="{02A2D8EE-D0BE-CE41-9D65-A90E4CFFDC95}" type="datetimeFigureOut">
               <a:rPr lang="en-GB" smtClean="0"/>
-              <a:t>17/10/2021</a:t>
+              <a:t>18/10/2021</a:t>
             </a:fld>
             <a:endParaRPr lang="en-GB"/>
           </a:p>
@@ -2682,7 +2687,7 @@
           <a:p>
             <a:fld id="{02A2D8EE-D0BE-CE41-9D65-A90E4CFFDC95}" type="datetimeFigureOut">
               <a:rPr lang="en-GB" smtClean="0"/>
-              <a:t>17/10/2021</a:t>
+              <a:t>18/10/2021</a:t>
             </a:fld>
             <a:endParaRPr lang="en-GB"/>
           </a:p>
@@ -2925,7 +2930,7 @@
           <a:p>
             <a:fld id="{02A2D8EE-D0BE-CE41-9D65-A90E4CFFDC95}" type="datetimeFigureOut">
               <a:rPr lang="en-GB" smtClean="0"/>
-              <a:t>17/10/2021</a:t>
+              <a:t>18/10/2021</a:t>
             </a:fld>
             <a:endParaRPr lang="en-GB"/>
           </a:p>
@@ -4692,6 +4697,608 @@
           </a:p>
         </p:txBody>
       </p:sp>
+      <p:pic>
+        <p:nvPicPr>
+          <p:cNvPr id="3" name="Picture 2">
+            <a:extLst>
+              <a:ext uri="{FF2B5EF4-FFF2-40B4-BE49-F238E27FC236}">
+                <a16:creationId xmlns:a16="http://schemas.microsoft.com/office/drawing/2014/main" id="{5C323D8C-85A3-CB4E-9BEA-DB0E34DE2487}"/>
+              </a:ext>
+            </a:extLst>
+          </p:cNvPr>
+          <p:cNvPicPr>
+            <a:picLocks noChangeAspect="1"/>
+          </p:cNvPicPr>
+          <p:nvPr/>
+        </p:nvPicPr>
+        <p:blipFill>
+          <a:blip r:embed="rId3"/>
+          <a:stretch>
+            <a:fillRect/>
+          </a:stretch>
+        </p:blipFill>
+        <p:spPr>
+          <a:xfrm>
+            <a:off x="11410" y="5289829"/>
+            <a:ext cx="12192000" cy="581578"/>
+          </a:xfrm>
+          <a:prstGeom prst="rect">
+            <a:avLst/>
+          </a:prstGeom>
+        </p:spPr>
+      </p:pic>
+      <p:sp>
+        <p:nvSpPr>
+          <p:cNvPr id="33" name="Rectangle 32">
+            <a:extLst>
+              <a:ext uri="{FF2B5EF4-FFF2-40B4-BE49-F238E27FC236}">
+                <a16:creationId xmlns:a16="http://schemas.microsoft.com/office/drawing/2014/main" id="{9771A779-C17F-8744-99FB-948F4FEFEBF1}"/>
+              </a:ext>
+            </a:extLst>
+          </p:cNvPr>
+          <p:cNvSpPr/>
+          <p:nvPr/>
+        </p:nvSpPr>
+        <p:spPr>
+          <a:xfrm>
+            <a:off x="77413" y="4988746"/>
+            <a:ext cx="1385455" cy="299016"/>
+          </a:xfrm>
+          <a:prstGeom prst="rect">
+            <a:avLst/>
+          </a:prstGeom>
+          <a:solidFill>
+            <a:srgbClr val="79706E"/>
+          </a:solidFill>
+          <a:ln>
+            <a:noFill/>
+          </a:ln>
+        </p:spPr>
+        <p:style>
+          <a:lnRef idx="2">
+            <a:schemeClr val="accent1">
+              <a:shade val="50000"/>
+            </a:schemeClr>
+          </a:lnRef>
+          <a:fillRef idx="1">
+            <a:schemeClr val="accent1"/>
+          </a:fillRef>
+          <a:effectRef idx="0">
+            <a:schemeClr val="accent1"/>
+          </a:effectRef>
+          <a:fontRef idx="minor">
+            <a:schemeClr val="lt1"/>
+          </a:fontRef>
+        </p:style>
+        <p:txBody>
+          <a:bodyPr rtlCol="0" anchor="ctr"/>
+          <a:lstStyle/>
+          <a:p>
+            <a:pPr algn="ctr"/>
+            <a:endParaRPr lang="en-GB"/>
+          </a:p>
+        </p:txBody>
+      </p:sp>
+      <p:sp>
+        <p:nvSpPr>
+          <p:cNvPr id="34" name="Rectangle 33">
+            <a:extLst>
+              <a:ext uri="{FF2B5EF4-FFF2-40B4-BE49-F238E27FC236}">
+                <a16:creationId xmlns:a16="http://schemas.microsoft.com/office/drawing/2014/main" id="{DCF4126F-6B2C-E446-944E-F111CADD016F}"/>
+              </a:ext>
+            </a:extLst>
+          </p:cNvPr>
+          <p:cNvSpPr/>
+          <p:nvPr/>
+        </p:nvSpPr>
+        <p:spPr>
+          <a:xfrm>
+            <a:off x="1627862" y="4836869"/>
+            <a:ext cx="475488" cy="603504"/>
+          </a:xfrm>
+          <a:prstGeom prst="rect">
+            <a:avLst/>
+          </a:prstGeom>
+          <a:solidFill>
+            <a:srgbClr val="DD5856"/>
+          </a:solidFill>
+          <a:ln>
+            <a:noFill/>
+          </a:ln>
+        </p:spPr>
+        <p:style>
+          <a:lnRef idx="2">
+            <a:schemeClr val="accent1">
+              <a:shade val="50000"/>
+            </a:schemeClr>
+          </a:lnRef>
+          <a:fillRef idx="1">
+            <a:schemeClr val="accent1"/>
+          </a:fillRef>
+          <a:effectRef idx="0">
+            <a:schemeClr val="accent1"/>
+          </a:effectRef>
+          <a:fontRef idx="minor">
+            <a:schemeClr val="lt1"/>
+          </a:fontRef>
+        </p:style>
+        <p:txBody>
+          <a:bodyPr rtlCol="0" anchor="ctr"/>
+          <a:lstStyle/>
+          <a:p>
+            <a:pPr algn="ctr"/>
+            <a:endParaRPr lang="en-GB"/>
+          </a:p>
+        </p:txBody>
+      </p:sp>
+      <p:sp>
+        <p:nvSpPr>
+          <p:cNvPr id="35" name="Rectangle 34">
+            <a:extLst>
+              <a:ext uri="{FF2B5EF4-FFF2-40B4-BE49-F238E27FC236}">
+                <a16:creationId xmlns:a16="http://schemas.microsoft.com/office/drawing/2014/main" id="{69BB9190-79A3-5943-A157-F124EF28D3DE}"/>
+              </a:ext>
+            </a:extLst>
+          </p:cNvPr>
+          <p:cNvSpPr/>
+          <p:nvPr/>
+        </p:nvSpPr>
+        <p:spPr>
+          <a:xfrm>
+            <a:off x="2098221" y="4836502"/>
+            <a:ext cx="251749" cy="603504"/>
+          </a:xfrm>
+          <a:prstGeom prst="rect">
+            <a:avLst/>
+          </a:prstGeom>
+          <a:solidFill>
+            <a:srgbClr val="E28800"/>
+          </a:solidFill>
+          <a:ln>
+            <a:noFill/>
+          </a:ln>
+        </p:spPr>
+        <p:style>
+          <a:lnRef idx="2">
+            <a:schemeClr val="accent1">
+              <a:shade val="50000"/>
+            </a:schemeClr>
+          </a:lnRef>
+          <a:fillRef idx="1">
+            <a:schemeClr val="accent1"/>
+          </a:fillRef>
+          <a:effectRef idx="0">
+            <a:schemeClr val="accent1"/>
+          </a:effectRef>
+          <a:fontRef idx="minor">
+            <a:schemeClr val="lt1"/>
+          </a:fontRef>
+        </p:style>
+        <p:txBody>
+          <a:bodyPr rtlCol="0" anchor="ctr"/>
+          <a:lstStyle/>
+          <a:p>
+            <a:pPr algn="ctr"/>
+            <a:endParaRPr lang="en-GB"/>
+          </a:p>
+        </p:txBody>
+      </p:sp>
+      <p:sp>
+        <p:nvSpPr>
+          <p:cNvPr id="37" name="Rectangle 36">
+            <a:extLst>
+              <a:ext uri="{FF2B5EF4-FFF2-40B4-BE49-F238E27FC236}">
+                <a16:creationId xmlns:a16="http://schemas.microsoft.com/office/drawing/2014/main" id="{7348B8CF-741C-8147-AC47-977F9E51D70A}"/>
+              </a:ext>
+            </a:extLst>
+          </p:cNvPr>
+          <p:cNvSpPr/>
+          <p:nvPr/>
+        </p:nvSpPr>
+        <p:spPr>
+          <a:xfrm>
+            <a:off x="5076295" y="4986679"/>
+            <a:ext cx="3689191" cy="299016"/>
+          </a:xfrm>
+          <a:prstGeom prst="rect">
+            <a:avLst/>
+          </a:prstGeom>
+          <a:solidFill>
+            <a:srgbClr val="E28800"/>
+          </a:solidFill>
+          <a:ln>
+            <a:noFill/>
+          </a:ln>
+        </p:spPr>
+        <p:style>
+          <a:lnRef idx="2">
+            <a:schemeClr val="accent1">
+              <a:shade val="50000"/>
+            </a:schemeClr>
+          </a:lnRef>
+          <a:fillRef idx="1">
+            <a:schemeClr val="accent1"/>
+          </a:fillRef>
+          <a:effectRef idx="0">
+            <a:schemeClr val="accent1"/>
+          </a:effectRef>
+          <a:fontRef idx="minor">
+            <a:schemeClr val="lt1"/>
+          </a:fontRef>
+        </p:style>
+        <p:txBody>
+          <a:bodyPr rtlCol="0" anchor="ctr"/>
+          <a:lstStyle/>
+          <a:p>
+            <a:pPr algn="ctr"/>
+            <a:endParaRPr lang="en-GB"/>
+          </a:p>
+        </p:txBody>
+      </p:sp>
+      <p:sp>
+        <p:nvSpPr>
+          <p:cNvPr id="44" name="Rectangle 43">
+            <a:extLst>
+              <a:ext uri="{FF2B5EF4-FFF2-40B4-BE49-F238E27FC236}">
+                <a16:creationId xmlns:a16="http://schemas.microsoft.com/office/drawing/2014/main" id="{73EAD266-988D-1A40-9752-81FEFCA47455}"/>
+              </a:ext>
+            </a:extLst>
+          </p:cNvPr>
+          <p:cNvSpPr/>
+          <p:nvPr/>
+        </p:nvSpPr>
+        <p:spPr>
+          <a:xfrm>
+            <a:off x="10911128" y="4986675"/>
+            <a:ext cx="1088638" cy="301752"/>
+          </a:xfrm>
+          <a:prstGeom prst="rect">
+            <a:avLst/>
+          </a:prstGeom>
+          <a:solidFill>
+            <a:srgbClr val="E28800"/>
+          </a:solidFill>
+          <a:ln>
+            <a:noFill/>
+          </a:ln>
+        </p:spPr>
+        <p:style>
+          <a:lnRef idx="2">
+            <a:schemeClr val="accent1">
+              <a:shade val="50000"/>
+            </a:schemeClr>
+          </a:lnRef>
+          <a:fillRef idx="1">
+            <a:schemeClr val="accent1"/>
+          </a:fillRef>
+          <a:effectRef idx="0">
+            <a:schemeClr val="accent1"/>
+          </a:effectRef>
+          <a:fontRef idx="minor">
+            <a:schemeClr val="lt1"/>
+          </a:fontRef>
+        </p:style>
+        <p:txBody>
+          <a:bodyPr rtlCol="0" anchor="ctr"/>
+          <a:lstStyle/>
+          <a:p>
+            <a:pPr algn="ctr"/>
+            <a:endParaRPr lang="en-GB"/>
+          </a:p>
+        </p:txBody>
+      </p:sp>
+      <p:sp>
+        <p:nvSpPr>
+          <p:cNvPr id="45" name="Rectangle 44">
+            <a:extLst>
+              <a:ext uri="{FF2B5EF4-FFF2-40B4-BE49-F238E27FC236}">
+                <a16:creationId xmlns:a16="http://schemas.microsoft.com/office/drawing/2014/main" id="{349F1F73-9183-C748-9674-764DBA1CC666}"/>
+              </a:ext>
+            </a:extLst>
+          </p:cNvPr>
+          <p:cNvSpPr/>
+          <p:nvPr/>
+        </p:nvSpPr>
+        <p:spPr>
+          <a:xfrm>
+            <a:off x="11991476" y="4990809"/>
+            <a:ext cx="100878" cy="294886"/>
+          </a:xfrm>
+          <a:prstGeom prst="rect">
+            <a:avLst/>
+          </a:prstGeom>
+          <a:solidFill>
+            <a:srgbClr val="79706E"/>
+          </a:solidFill>
+          <a:ln>
+            <a:noFill/>
+          </a:ln>
+        </p:spPr>
+        <p:style>
+          <a:lnRef idx="2">
+            <a:schemeClr val="accent1">
+              <a:shade val="50000"/>
+            </a:schemeClr>
+          </a:lnRef>
+          <a:fillRef idx="1">
+            <a:schemeClr val="accent1"/>
+          </a:fillRef>
+          <a:effectRef idx="0">
+            <a:schemeClr val="accent1"/>
+          </a:effectRef>
+          <a:fontRef idx="minor">
+            <a:schemeClr val="lt1"/>
+          </a:fontRef>
+        </p:style>
+        <p:txBody>
+          <a:bodyPr rtlCol="0" anchor="ctr"/>
+          <a:lstStyle/>
+          <a:p>
+            <a:pPr algn="ctr"/>
+            <a:endParaRPr lang="en-GB"/>
+          </a:p>
+        </p:txBody>
+      </p:sp>
+      <p:sp>
+        <p:nvSpPr>
+          <p:cNvPr id="46" name="Rectangle 45">
+            <a:extLst>
+              <a:ext uri="{FF2B5EF4-FFF2-40B4-BE49-F238E27FC236}">
+                <a16:creationId xmlns:a16="http://schemas.microsoft.com/office/drawing/2014/main" id="{61E25E1A-833E-2049-AF75-EE536B1F7F6E}"/>
+              </a:ext>
+            </a:extLst>
+          </p:cNvPr>
+          <p:cNvSpPr/>
+          <p:nvPr/>
+        </p:nvSpPr>
+        <p:spPr>
+          <a:xfrm>
+            <a:off x="2329911" y="4988746"/>
+            <a:ext cx="530352" cy="299016"/>
+          </a:xfrm>
+          <a:prstGeom prst="rect">
+            <a:avLst/>
+          </a:prstGeom>
+          <a:solidFill>
+            <a:srgbClr val="E28800"/>
+          </a:solidFill>
+          <a:ln>
+            <a:noFill/>
+          </a:ln>
+        </p:spPr>
+        <p:style>
+          <a:lnRef idx="2">
+            <a:schemeClr val="accent1">
+              <a:shade val="50000"/>
+            </a:schemeClr>
+          </a:lnRef>
+          <a:fillRef idx="1">
+            <a:schemeClr val="accent1"/>
+          </a:fillRef>
+          <a:effectRef idx="0">
+            <a:schemeClr val="accent1"/>
+          </a:effectRef>
+          <a:fontRef idx="minor">
+            <a:schemeClr val="lt1"/>
+          </a:fontRef>
+        </p:style>
+        <p:txBody>
+          <a:bodyPr rtlCol="0" anchor="ctr"/>
+          <a:lstStyle/>
+          <a:p>
+            <a:pPr algn="ctr"/>
+            <a:endParaRPr lang="en-GB"/>
+          </a:p>
+        </p:txBody>
+      </p:sp>
+      <p:sp>
+        <p:nvSpPr>
+          <p:cNvPr id="47" name="Rectangle 46">
+            <a:extLst>
+              <a:ext uri="{FF2B5EF4-FFF2-40B4-BE49-F238E27FC236}">
+                <a16:creationId xmlns:a16="http://schemas.microsoft.com/office/drawing/2014/main" id="{571B13FD-409A-5F4F-9120-1E3A93CBD22B}"/>
+              </a:ext>
+            </a:extLst>
+          </p:cNvPr>
+          <p:cNvSpPr/>
+          <p:nvPr/>
+        </p:nvSpPr>
+        <p:spPr>
+          <a:xfrm flipH="1">
+            <a:off x="1462868" y="4836502"/>
+            <a:ext cx="100309" cy="603504"/>
+          </a:xfrm>
+          <a:prstGeom prst="rect">
+            <a:avLst/>
+          </a:prstGeom>
+          <a:solidFill>
+            <a:srgbClr val="D6B6A4"/>
+          </a:solidFill>
+          <a:ln>
+            <a:noFill/>
+          </a:ln>
+        </p:spPr>
+        <p:style>
+          <a:lnRef idx="2">
+            <a:schemeClr val="accent1">
+              <a:shade val="50000"/>
+            </a:schemeClr>
+          </a:lnRef>
+          <a:fillRef idx="1">
+            <a:schemeClr val="accent1"/>
+          </a:fillRef>
+          <a:effectRef idx="0">
+            <a:schemeClr val="accent1"/>
+          </a:effectRef>
+          <a:fontRef idx="minor">
+            <a:schemeClr val="lt1"/>
+          </a:fontRef>
+        </p:style>
+        <p:txBody>
+          <a:bodyPr rtlCol="0" anchor="ctr"/>
+          <a:lstStyle/>
+          <a:p>
+            <a:pPr algn="ctr"/>
+            <a:endParaRPr lang="en-GB"/>
+          </a:p>
+        </p:txBody>
+      </p:sp>
+      <p:sp>
+        <p:nvSpPr>
+          <p:cNvPr id="48" name="Rectangle 47">
+            <a:extLst>
+              <a:ext uri="{FF2B5EF4-FFF2-40B4-BE49-F238E27FC236}">
+                <a16:creationId xmlns:a16="http://schemas.microsoft.com/office/drawing/2014/main" id="{D4866B15-02C1-3F4D-A5E2-779DAF50A8AC}"/>
+              </a:ext>
+            </a:extLst>
+          </p:cNvPr>
+          <p:cNvSpPr/>
+          <p:nvPr/>
+        </p:nvSpPr>
+        <p:spPr>
+          <a:xfrm>
+            <a:off x="1563176" y="5008964"/>
+            <a:ext cx="249755" cy="299016"/>
+          </a:xfrm>
+          <a:prstGeom prst="rect">
+            <a:avLst/>
+          </a:prstGeom>
+          <a:solidFill>
+            <a:srgbClr val="DD5856"/>
+          </a:solidFill>
+          <a:ln>
+            <a:noFill/>
+          </a:ln>
+        </p:spPr>
+        <p:style>
+          <a:lnRef idx="2">
+            <a:schemeClr val="accent1">
+              <a:shade val="50000"/>
+            </a:schemeClr>
+          </a:lnRef>
+          <a:fillRef idx="1">
+            <a:schemeClr val="accent1"/>
+          </a:fillRef>
+          <a:effectRef idx="0">
+            <a:schemeClr val="accent1"/>
+          </a:effectRef>
+          <a:fontRef idx="minor">
+            <a:schemeClr val="lt1"/>
+          </a:fontRef>
+        </p:style>
+        <p:txBody>
+          <a:bodyPr rtlCol="0" anchor="ctr"/>
+          <a:lstStyle/>
+          <a:p>
+            <a:pPr algn="ctr"/>
+            <a:endParaRPr lang="en-GB"/>
+          </a:p>
+        </p:txBody>
+      </p:sp>
+      <p:sp>
+        <p:nvSpPr>
+          <p:cNvPr id="49" name="Rectangle 48">
+            <a:extLst>
+              <a:ext uri="{FF2B5EF4-FFF2-40B4-BE49-F238E27FC236}">
+                <a16:creationId xmlns:a16="http://schemas.microsoft.com/office/drawing/2014/main" id="{C0D57DC4-517D-464F-A6E8-9956E239CA63}"/>
+              </a:ext>
+            </a:extLst>
+          </p:cNvPr>
+          <p:cNvSpPr/>
+          <p:nvPr/>
+        </p:nvSpPr>
+        <p:spPr>
+          <a:xfrm>
+            <a:off x="2860262" y="4988746"/>
+            <a:ext cx="2233817" cy="299016"/>
+          </a:xfrm>
+          <a:prstGeom prst="rect">
+            <a:avLst/>
+          </a:prstGeom>
+          <a:solidFill>
+            <a:srgbClr val="DD5856"/>
+          </a:solidFill>
+          <a:ln>
+            <a:noFill/>
+          </a:ln>
+        </p:spPr>
+        <p:style>
+          <a:lnRef idx="2">
+            <a:schemeClr val="accent1">
+              <a:shade val="50000"/>
+            </a:schemeClr>
+          </a:lnRef>
+          <a:fillRef idx="1">
+            <a:schemeClr val="accent1"/>
+          </a:fillRef>
+          <a:effectRef idx="0">
+            <a:schemeClr val="accent1"/>
+          </a:effectRef>
+          <a:fontRef idx="minor">
+            <a:schemeClr val="lt1"/>
+          </a:fontRef>
+        </p:style>
+        <p:txBody>
+          <a:bodyPr rtlCol="0" anchor="ctr"/>
+          <a:lstStyle/>
+          <a:p>
+            <a:pPr algn="ctr"/>
+            <a:endParaRPr lang="en-GB"/>
+          </a:p>
+        </p:txBody>
+      </p:sp>
+      <p:sp>
+        <p:nvSpPr>
+          <p:cNvPr id="50" name="Rectangle 49">
+            <a:extLst>
+              <a:ext uri="{FF2B5EF4-FFF2-40B4-BE49-F238E27FC236}">
+                <a16:creationId xmlns:a16="http://schemas.microsoft.com/office/drawing/2014/main" id="{FC81357F-683A-084B-9633-A5488900D394}"/>
+              </a:ext>
+            </a:extLst>
+          </p:cNvPr>
+          <p:cNvSpPr/>
+          <p:nvPr/>
+        </p:nvSpPr>
+        <p:spPr>
+          <a:xfrm>
+            <a:off x="8765486" y="4988744"/>
+            <a:ext cx="2145641" cy="299016"/>
+          </a:xfrm>
+          <a:prstGeom prst="rect">
+            <a:avLst/>
+          </a:prstGeom>
+          <a:solidFill>
+            <a:srgbClr val="DD5856"/>
+          </a:solidFill>
+          <a:ln>
+            <a:noFill/>
+          </a:ln>
+        </p:spPr>
+        <p:style>
+          <a:lnRef idx="2">
+            <a:schemeClr val="accent1">
+              <a:shade val="50000"/>
+            </a:schemeClr>
+          </a:lnRef>
+          <a:fillRef idx="1">
+            <a:schemeClr val="accent1"/>
+          </a:fillRef>
+          <a:effectRef idx="0">
+            <a:schemeClr val="accent1"/>
+          </a:effectRef>
+          <a:fontRef idx="minor">
+            <a:schemeClr val="lt1"/>
+          </a:fontRef>
+        </p:style>
+        <p:txBody>
+          <a:bodyPr rtlCol="0" anchor="ctr"/>
+          <a:lstStyle/>
+          <a:p>
+            <a:pPr algn="ctr"/>
+            <a:endParaRPr lang="en-GB"/>
+          </a:p>
+        </p:txBody>
+      </p:sp>
     </p:spTree>
     <p:extLst>
       <p:ext uri="{BB962C8B-B14F-4D97-AF65-F5344CB8AC3E}">
